--- a/masterial/des.pptx
+++ b/masterial/des.pptx
@@ -7200,7 +7200,9 @@
               </a:ext>
             </a:extLst>
           </p:cNvPr>
-          <p:cNvGrpSpPr/>
+          <p:cNvGrpSpPr>
+            <a:grpSpLocks/>
+          </p:cNvGrpSpPr>
           <p:nvPr/>
         </p:nvGrpSpPr>
         <p:grpSpPr>
